--- a/Template final assessment - Task 2(3).pptx
+++ b/Template final assessment - Task 2(3).pptx
@@ -327,7 +327,7 @@
               <a:pPr>
                 <a:defRPr/>
               </a:pPr>
-              <a:t>09/12/2022</a:t>
+              <a:t>12/12/2022</a:t>
             </a:fld>
             <a:endParaRPr lang="en-GB" dirty="0"/>
           </a:p>
@@ -546,7 +546,7 @@
               <a:pPr>
                 <a:defRPr/>
               </a:pPr>
-              <a:t>09/12/2022</a:t>
+              <a:t>12/12/2022</a:t>
             </a:fld>
             <a:endParaRPr lang="en-GB" dirty="0"/>
           </a:p>
@@ -1290,7 +1290,7 @@
               <a:pPr>
                 <a:defRPr/>
               </a:pPr>
-              <a:t>09 December 2022</a:t>
+              <a:t>12 December 2022</a:t>
             </a:fld>
             <a:endParaRPr lang="en-GB" dirty="0"/>
           </a:p>
@@ -1489,7 +1489,7 @@
               <a:pPr>
                 <a:defRPr/>
               </a:pPr>
-              <a:t>09 December 2022</a:t>
+              <a:t>12 December 2022</a:t>
             </a:fld>
             <a:endParaRPr lang="en-GB" dirty="0"/>
           </a:p>
@@ -1648,7 +1648,7 @@
               <a:pPr>
                 <a:defRPr/>
               </a:pPr>
-              <a:t>09 December 2022</a:t>
+              <a:t>12 December 2022</a:t>
             </a:fld>
             <a:endParaRPr lang="en-GB" dirty="0"/>
           </a:p>
@@ -1914,7 +1914,7 @@
               <a:pPr>
                 <a:defRPr/>
               </a:pPr>
-              <a:t>09 December 2022</a:t>
+              <a:t>12 December 2022</a:t>
             </a:fld>
             <a:endParaRPr lang="en-GB" dirty="0"/>
           </a:p>
@@ -2139,7 +2139,7 @@
               <a:pPr>
                 <a:defRPr/>
               </a:pPr>
-              <a:t>09 December 2022</a:t>
+              <a:t>12 December 2022</a:t>
             </a:fld>
             <a:endParaRPr lang="en-GB" dirty="0"/>
           </a:p>
@@ -2235,7 +2235,7 @@
               <a:pPr>
                 <a:defRPr/>
               </a:pPr>
-              <a:t>09 December 2022</a:t>
+              <a:t>12 December 2022</a:t>
             </a:fld>
             <a:endParaRPr lang="en-GB" dirty="0"/>
           </a:p>
@@ -2597,7 +2597,7 @@
               <a:pPr>
                 <a:defRPr/>
               </a:pPr>
-              <a:t>09 December 2022</a:t>
+              <a:t>12 December 2022</a:t>
             </a:fld>
             <a:endParaRPr lang="en-GB" dirty="0"/>
           </a:p>
@@ -3542,7 +3542,7 @@
                   <a:spcPct val="0"/>
                 </a:spcAft>
               </a:pPr>
-              <a:t>09 December 2022</a:t>
+              <a:t>12 December 2022</a:t>
             </a:fld>
             <a:endParaRPr lang="en-GB" altLang="en-US" dirty="0">
               <a:solidFill>
@@ -3693,7 +3693,7 @@
               <a:pPr>
                 <a:defRPr/>
               </a:pPr>
-              <a:t>09 December 2022</a:t>
+              <a:t>12 December 2022</a:t>
             </a:fld>
             <a:endParaRPr lang="en-GB" dirty="0"/>
           </a:p>
@@ -3774,15 +3774,7 @@
             <a:pPr algn="just"/>
             <a:r>
               <a:rPr lang="en-GB" dirty="0"/>
-              <a:t>We created various tasks with “</a:t>
-            </a:r>
-            <a:r>
-              <a:rPr lang="en-GB" dirty="0" err="1"/>
-              <a:t>taskMasterThread</a:t>
-            </a:r>
-            <a:r>
-              <a:rPr lang="en-GB" dirty="0"/>
-              <a:t>” having the highest priority and utilised the round robin scheduling algorithm.</a:t>
+              <a:t>We created various tasks with “taskMasterThread” having the highest priority and utilised the round robin scheduling algorithm.</a:t>
             </a:r>
           </a:p>
           <a:p>
@@ -3815,15 +3807,7 @@
             </a:r>
             <a:r>
               <a:rPr lang="en-GB" altLang="zh-CN" dirty="0"/>
-              <a:t>task </a:t>
-            </a:r>
-            <a:r>
-              <a:rPr lang="en-GB" altLang="zh-CN"/>
-              <a:t>is in congestion</a:t>
-            </a:r>
-            <a:r>
-              <a:rPr lang="en-GB" altLang="zh-CN" dirty="0"/>
-              <a:t>. </a:t>
+              <a:t>task is in congestion. </a:t>
             </a:r>
             <a:endParaRPr lang="en-GB" dirty="0"/>
           </a:p>
@@ -3881,7 +3865,7 @@
               <a:pPr>
                 <a:defRPr/>
               </a:pPr>
-              <a:t>09 December 2022</a:t>
+              <a:t>12 December 2022</a:t>
             </a:fld>
             <a:endParaRPr lang="en-GB" dirty="0"/>
           </a:p>
@@ -4009,27 +3993,11 @@
             <a:pPr algn="just"/>
             <a:r>
               <a:rPr lang="en-GB" dirty="0"/>
-              <a:t>“</a:t>
-            </a:r>
-            <a:r>
-              <a:rPr lang="en-GB" dirty="0" err="1"/>
-              <a:t>bumpSwitch_status</a:t>
-            </a:r>
-            <a:r>
-              <a:rPr lang="en-GB" dirty="0"/>
-              <a:t>” is a global variable used to store the </a:t>
+              <a:t>“bumpSwitch_status” is a global variable used to store the </a:t>
             </a:r>
             <a:r>
               <a:rPr lang="en-GB" altLang="zh-CN" dirty="0"/>
-              <a:t>status of bump </a:t>
-            </a:r>
-            <a:r>
-              <a:rPr lang="en-GB" altLang="zh-CN" dirty="0" err="1"/>
-              <a:t>switchs</a:t>
-            </a:r>
-            <a:r>
-              <a:rPr lang="en-GB" altLang="zh-CN" dirty="0"/>
-              <a:t>, </a:t>
+              <a:t>status of bump switches </a:t>
             </a:r>
             <a:r>
               <a:rPr lang="en-GB" dirty="0"/>
@@ -4040,23 +4008,11 @@
             <a:pPr algn="just"/>
             <a:r>
               <a:rPr lang="en-GB" dirty="0"/>
-              <a:t>The “status” in “</a:t>
-            </a:r>
-            <a:r>
-              <a:rPr lang="en-GB" dirty="0" err="1"/>
-              <a:t>taskdcMotor</a:t>
-            </a:r>
-            <a:r>
-              <a:rPr lang="en-GB" dirty="0"/>
-              <a:t>” function is work as a flag. The non-bump move in </a:t>
-            </a:r>
-            <a:r>
-              <a:rPr lang="en-GB" altLang="zh-CN" dirty="0" err="1"/>
-              <a:t>dcMotor.c</a:t>
+              <a:t>The “status” in “taskdcMotor” function is work as a flag. The non-bump move in </a:t>
             </a:r>
             <a:r>
               <a:rPr lang="en-GB" altLang="zh-CN" dirty="0"/>
-              <a:t> is cut into small progresses, and “status” keeps the schedule of the move after each execute in task function. </a:t>
+              <a:t>dcMotor.c is cut into small progresses, and “status” keeps the schedule of the move after each execute in task function. </a:t>
             </a:r>
             <a:endParaRPr lang="en-GB" dirty="0"/>
           </a:p>
@@ -4115,15 +4071,7 @@
             </a:r>
             <a:r>
               <a:rPr lang="en-GB" dirty="0"/>
-              <a:t>in tasks creation. When do operation to the tasks, the corresponding </a:t>
-            </a:r>
-            <a:r>
-              <a:rPr lang="en-GB" dirty="0" err="1"/>
-              <a:t>corresponding</a:t>
-            </a:r>
-            <a:r>
-              <a:rPr lang="en-GB" dirty="0"/>
-              <a:t> is called.</a:t>
+              <a:t>in tasks creation. When you do an operation to the task, the corresponding task is called.</a:t>
             </a:r>
           </a:p>
           <a:p>
@@ -4270,7 +4218,7 @@
               <a:pPr>
                 <a:defRPr/>
               </a:pPr>
-              <a:t>09 December 2022</a:t>
+              <a:t>12 December 2022</a:t>
             </a:fld>
             <a:endParaRPr lang="en-GB" dirty="0"/>
           </a:p>
@@ -4458,7 +4406,7 @@
               <a:pPr>
                 <a:defRPr/>
               </a:pPr>
-              <a:t>09 December 2022</a:t>
+              <a:t>12 December 2022</a:t>
             </a:fld>
             <a:endParaRPr lang="en-GB" dirty="0"/>
           </a:p>
@@ -5327,9 +5275,12 @@
 </file>
 
 <file path=customXml/item1.xml><?xml version="1.0" encoding="utf-8"?>
-<p:properties xmlns:p="http://schemas.microsoft.com/office/2006/metadata/properties" xmlns:xsi="http://www.w3.org/2001/XMLSchema-instance" xmlns:pc="http://schemas.microsoft.com/office/infopath/2007/PartnerControls">
-  <documentManagement/>
-</p:properties>
+<?mso-contentType ?>
+<FormTemplates xmlns="http://schemas.microsoft.com/sharepoint/v3/contenttype/forms">
+  <Display>DocumentLibraryForm</Display>
+  <Edit>DocumentLibraryForm</Edit>
+  <New>DocumentLibraryForm</New>
+</FormTemplates>
 </file>
 
 <file path=customXml/item2.xml><?xml version="1.0" encoding="utf-8"?>
@@ -5516,19 +5467,15 @@
 </file>
 
 <file path=customXml/item3.xml><?xml version="1.0" encoding="utf-8"?>
-<?mso-contentType ?>
-<FormTemplates xmlns="http://schemas.microsoft.com/sharepoint/v3/contenttype/forms">
-  <Display>DocumentLibraryForm</Display>
-  <Edit>DocumentLibraryForm</Edit>
-  <New>DocumentLibraryForm</New>
-</FormTemplates>
+<p:properties xmlns:p="http://schemas.microsoft.com/office/2006/metadata/properties" xmlns:xsi="http://www.w3.org/2001/XMLSchema-instance" xmlns:pc="http://schemas.microsoft.com/office/infopath/2007/PartnerControls">
+  <documentManagement/>
+</p:properties>
 </file>
 
 <file path=customXml/itemProps1.xml><?xml version="1.0" encoding="utf-8"?>
-<ds:datastoreItem xmlns:ds="http://schemas.openxmlformats.org/officeDocument/2006/customXml" ds:itemID="{305B2934-E4CD-403C-9D05-A4710B6460D0}">
+<ds:datastoreItem xmlns:ds="http://schemas.openxmlformats.org/officeDocument/2006/customXml" ds:itemID="{63193CCD-6AD7-4753-9405-2074E943F663}">
   <ds:schemaRefs>
-    <ds:schemaRef ds:uri="http://schemas.microsoft.com/office/2006/metadata/properties"/>
-    <ds:schemaRef ds:uri="http://schemas.microsoft.com/office/infopath/2007/PartnerControls"/>
+    <ds:schemaRef ds:uri="http://schemas.microsoft.com/sharepoint/v3/contenttype/forms"/>
   </ds:schemaRefs>
 </ds:datastoreItem>
 </file>
@@ -5553,9 +5500,10 @@
 </file>
 
 <file path=customXml/itemProps3.xml><?xml version="1.0" encoding="utf-8"?>
-<ds:datastoreItem xmlns:ds="http://schemas.openxmlformats.org/officeDocument/2006/customXml" ds:itemID="{63193CCD-6AD7-4753-9405-2074E943F663}">
+<ds:datastoreItem xmlns:ds="http://schemas.openxmlformats.org/officeDocument/2006/customXml" ds:itemID="{305B2934-E4CD-403C-9D05-A4710B6460D0}">
   <ds:schemaRefs>
-    <ds:schemaRef ds:uri="http://schemas.microsoft.com/sharepoint/v3/contenttype/forms"/>
+    <ds:schemaRef ds:uri="http://schemas.microsoft.com/office/2006/metadata/properties"/>
+    <ds:schemaRef ds:uri="http://schemas.microsoft.com/office/infopath/2007/PartnerControls"/>
   </ds:schemaRefs>
 </ds:datastoreItem>
 </file>